--- a/Homework/SDL_IsaacMorales_cpsc4175.pptx
+++ b/Homework/SDL_IsaacMorales_cpsc4175.pptx
@@ -116,6 +116,11 @@
       </a:defRPr>
     </a:lvl9pPr>
   </p:defaultTextStyle>
+  <p:extLst>
+    <p:ext uri="{EFAFB233-063F-42B5-8137-9DF3F51BA10A}">
+      <p15:sldGuideLst xmlns:p15="http://schemas.microsoft.com/office/powerpoint/2012/main"/>
+    </p:ext>
+  </p:extLst>
 </p:presentation>
 </file>
 
@@ -311,7 +316,7 @@
             <a:fld id="{B61BEF0D-F0BB-DE4B-95CE-6DB70DBA9567}" type="datetimeFigureOut">
               <a:rPr lang="en-US" dirty="0"/>
               <a:pPr/>
-              <a:t>9/4/2017</a:t>
+              <a:t>9/5/2017</a:t>
             </a:fld>
             <a:endParaRPr lang="en-US" dirty="0"/>
           </a:p>
@@ -744,7 +749,7 @@
             <a:fld id="{B61BEF0D-F0BB-DE4B-95CE-6DB70DBA9567}" type="datetimeFigureOut">
               <a:rPr lang="en-US" dirty="0"/>
               <a:pPr/>
-              <a:t>9/4/2017</a:t>
+              <a:t>9/5/2017</a:t>
             </a:fld>
             <a:endParaRPr lang="en-US" dirty="0"/>
           </a:p>
@@ -991,7 +996,7 @@
             <a:fld id="{B61BEF0D-F0BB-DE4B-95CE-6DB70DBA9567}" type="datetimeFigureOut">
               <a:rPr lang="en-US" dirty="0"/>
               <a:pPr/>
-              <a:t>9/4/2017</a:t>
+              <a:t>9/5/2017</a:t>
             </a:fld>
             <a:endParaRPr lang="en-US" dirty="0"/>
           </a:p>
@@ -1296,7 +1301,7 @@
             <a:fld id="{B61BEF0D-F0BB-DE4B-95CE-6DB70DBA9567}" type="datetimeFigureOut">
               <a:rPr lang="en-US" dirty="0"/>
               <a:pPr/>
-              <a:t>9/4/2017</a:t>
+              <a:t>9/5/2017</a:t>
             </a:fld>
             <a:endParaRPr lang="en-US" dirty="0"/>
           </a:p>
@@ -1611,7 +1616,7 @@
             <a:fld id="{B61BEF0D-F0BB-DE4B-95CE-6DB70DBA9567}" type="datetimeFigureOut">
               <a:rPr lang="en-US" dirty="0"/>
               <a:pPr/>
-              <a:t>9/4/2017</a:t>
+              <a:t>9/5/2017</a:t>
             </a:fld>
             <a:endParaRPr lang="en-US" dirty="0"/>
           </a:p>
@@ -1910,7 +1915,7 @@
             <a:fld id="{B61BEF0D-F0BB-DE4B-95CE-6DB70DBA9567}" type="datetimeFigureOut">
               <a:rPr lang="en-US" dirty="0"/>
               <a:pPr/>
-              <a:t>9/4/2017</a:t>
+              <a:t>9/5/2017</a:t>
             </a:fld>
             <a:endParaRPr lang="en-US" dirty="0"/>
           </a:p>
@@ -2274,7 +2279,7 @@
             <a:fld id="{B61BEF0D-F0BB-DE4B-95CE-6DB70DBA9567}" type="datetimeFigureOut">
               <a:rPr lang="en-US" dirty="0"/>
               <a:pPr/>
-              <a:t>9/4/2017</a:t>
+              <a:t>9/5/2017</a:t>
             </a:fld>
             <a:endParaRPr lang="en-US" dirty="0"/>
           </a:p>
@@ -2445,7 +2450,7 @@
             <a:fld id="{B61BEF0D-F0BB-DE4B-95CE-6DB70DBA9567}" type="datetimeFigureOut">
               <a:rPr lang="en-US" dirty="0"/>
               <a:pPr/>
-              <a:t>9/4/2017</a:t>
+              <a:t>9/5/2017</a:t>
             </a:fld>
             <a:endParaRPr lang="en-US" dirty="0"/>
           </a:p>
@@ -2622,7 +2627,7 @@
             <a:fld id="{B61BEF0D-F0BB-DE4B-95CE-6DB70DBA9567}" type="datetimeFigureOut">
               <a:rPr lang="en-US" dirty="0"/>
               <a:pPr/>
-              <a:t>9/4/2017</a:t>
+              <a:t>9/5/2017</a:t>
             </a:fld>
             <a:endParaRPr lang="en-US" dirty="0"/>
           </a:p>
@@ -2789,7 +2794,7 @@
             <a:fld id="{B61BEF0D-F0BB-DE4B-95CE-6DB70DBA9567}" type="datetimeFigureOut">
               <a:rPr lang="en-US" dirty="0"/>
               <a:pPr/>
-              <a:t>9/4/2017</a:t>
+              <a:t>9/5/2017</a:t>
             </a:fld>
             <a:endParaRPr lang="en-US" dirty="0"/>
           </a:p>
@@ -3036,7 +3041,7 @@
             <a:fld id="{B61BEF0D-F0BB-DE4B-95CE-6DB70DBA9567}" type="datetimeFigureOut">
               <a:rPr lang="en-US" dirty="0"/>
               <a:pPr/>
-              <a:t>9/4/2017</a:t>
+              <a:t>9/5/2017</a:t>
             </a:fld>
             <a:endParaRPr lang="en-US" dirty="0"/>
           </a:p>
@@ -3269,7 +3274,7 @@
             <a:fld id="{B61BEF0D-F0BB-DE4B-95CE-6DB70DBA9567}" type="datetimeFigureOut">
               <a:rPr lang="en-US" dirty="0"/>
               <a:pPr/>
-              <a:t>9/4/2017</a:t>
+              <a:t>9/5/2017</a:t>
             </a:fld>
             <a:endParaRPr lang="en-US" dirty="0"/>
           </a:p>
@@ -3648,7 +3653,7 @@
             <a:fld id="{B61BEF0D-F0BB-DE4B-95CE-6DB70DBA9567}" type="datetimeFigureOut">
               <a:rPr lang="en-US" dirty="0"/>
               <a:pPr/>
-              <a:t>9/4/2017</a:t>
+              <a:t>9/5/2017</a:t>
             </a:fld>
             <a:endParaRPr lang="en-US" dirty="0"/>
           </a:p>
@@ -3763,7 +3768,7 @@
             <a:fld id="{B61BEF0D-F0BB-DE4B-95CE-6DB70DBA9567}" type="datetimeFigureOut">
               <a:rPr lang="en-US" dirty="0"/>
               <a:pPr/>
-              <a:t>9/4/2017</a:t>
+              <a:t>9/5/2017</a:t>
             </a:fld>
             <a:endParaRPr lang="en-US" dirty="0"/>
           </a:p>
@@ -3855,7 +3860,7 @@
             <a:fld id="{B61BEF0D-F0BB-DE4B-95CE-6DB70DBA9567}" type="datetimeFigureOut">
               <a:rPr lang="en-US" dirty="0"/>
               <a:pPr/>
-              <a:t>9/4/2017</a:t>
+              <a:t>9/5/2017</a:t>
             </a:fld>
             <a:endParaRPr lang="en-US" dirty="0"/>
           </a:p>
@@ -4107,7 +4112,7 @@
             <a:fld id="{B61BEF0D-F0BB-DE4B-95CE-6DB70DBA9567}" type="datetimeFigureOut">
               <a:rPr lang="en-US" dirty="0"/>
               <a:pPr/>
-              <a:t>9/4/2017</a:t>
+              <a:t>9/5/2017</a:t>
             </a:fld>
             <a:endParaRPr lang="en-US" dirty="0"/>
           </a:p>
@@ -4387,7 +4392,7 @@
             <a:fld id="{B61BEF0D-F0BB-DE4B-95CE-6DB70DBA9567}" type="datetimeFigureOut">
               <a:rPr lang="en-US" dirty="0"/>
               <a:pPr/>
-              <a:t>9/4/2017</a:t>
+              <a:t>9/5/2017</a:t>
             </a:fld>
             <a:endParaRPr lang="en-US" dirty="0"/>
           </a:p>
@@ -4790,7 +4795,7 @@
             <a:fld id="{B61BEF0D-F0BB-DE4B-95CE-6DB70DBA9567}" type="datetimeFigureOut">
               <a:rPr lang="en-US" dirty="0"/>
               <a:pPr/>
-              <a:t>9/4/2017</a:t>
+              <a:t>9/5/2017</a:t>
             </a:fld>
             <a:endParaRPr lang="en-US" dirty="0"/>
           </a:p>
@@ -5547,7 +5552,19 @@
           <a:p>
             <a:r>
               <a:rPr lang="en-US" dirty="0"/>
-              <a:t>Its pretty self explanatory</a:t>
+              <a:t>Specialization of data types:</a:t>
+            </a:r>
+          </a:p>
+          <a:p>
+            <a:r>
+              <a:rPr lang="en-US" dirty="0"/>
+              <a:t>Subtype might add properties </a:t>
+            </a:r>
+          </a:p>
+          <a:p>
+            <a:r>
+              <a:rPr lang="en-US" dirty="0"/>
+              <a:t>Subtype may redefine virtual types and transitions of a process</a:t>
             </a:r>
           </a:p>
           <a:p>
@@ -5636,8 +5653,19 @@
           <a:p>
             <a:r>
               <a:rPr lang="en-US" dirty="0"/>
-              <a:t>Its used to communicate  and specify between super complex applications</a:t>
-            </a:r>
+              <a:t>Its used to communicate  and specify between super complex applications, and their processes.</a:t>
+            </a:r>
+          </a:p>
+          <a:p>
+            <a:r>
+              <a:rPr lang="en-US" dirty="0"/>
+              <a:t>International standard, is used by many different countries and companies, and there fore is </a:t>
+            </a:r>
+            <a:r>
+              <a:rPr lang="en-US"/>
+              <a:t>widely compatible</a:t>
+            </a:r>
+            <a:endParaRPr lang="en-US" dirty="0"/>
           </a:p>
           <a:p>
             <a:r>
@@ -5819,7 +5847,7 @@
         <p:spPr/>
         <p:txBody>
           <a:bodyPr>
-            <a:normAutofit/>
+            <a:normAutofit fontScale="92500"/>
           </a:bodyPr>
           <a:lstStyle/>
           <a:p>
@@ -5837,22 +5865,26 @@
           <a:p>
             <a:r>
               <a:rPr lang="en-US" dirty="0"/>
-              <a:t>It is a program design and implementation language, intended for  event driven, real time, and interactive applications that have many concurrent activities that communicate using discrete signals</a:t>
-            </a:r>
-          </a:p>
-          <a:p>
-            <a:r>
-              <a:rPr lang="en-US" dirty="0"/>
-              <a:t>Implemented in satellites, aeronautical standardization, medical equipment, railway systems , </a:t>
-            </a:r>
-            <a:r>
-              <a:rPr lang="en-US" dirty="0" err="1"/>
-              <a:t>comm</a:t>
-            </a:r>
-            <a:r>
-              <a:rPr lang="en-US" dirty="0"/>
-              <a:t> protocols in cars </a:t>
-            </a:r>
+              <a:t>It is a program design and implementation language, intended for  event driven, real time, and interactive applications that have many concurrent activities and communicate using discrete signals</a:t>
+            </a:r>
+          </a:p>
+          <a:p>
+            <a:r>
+              <a:rPr lang="en-US" dirty="0"/>
+              <a:t>Originally used in telecom systems</a:t>
+            </a:r>
+          </a:p>
+          <a:p>
+            <a:r>
+              <a:rPr lang="en-US" dirty="0"/>
+              <a:t>Implemented in satellites, aeronautics, medical equipment, railway systems , communication protocols in cars, general real time application and  process control</a:t>
+            </a:r>
+          </a:p>
+          <a:p>
+            <a:pPr marL="0" indent="0">
+              <a:buNone/>
+            </a:pPr>
+            <a:endParaRPr lang="en-US" dirty="0"/>
           </a:p>
         </p:txBody>
       </p:sp>
@@ -5925,13 +5957,7 @@
           <a:p>
             <a:r>
               <a:rPr lang="en-US" dirty="0"/>
-              <a:t>Its development started in 1972, 15 person study group within CCITT  (the old ITU-T)</a:t>
-            </a:r>
-          </a:p>
-          <a:p>
-            <a:r>
-              <a:rPr lang="en-US" dirty="0"/>
-              <a:t>They were representing several countries and large Telecommunication companies</a:t>
+              <a:t>Its development started in 1972, 15 person study group within CCITT  (the old ITU-T) representing large telecom companies and several countries</a:t>
             </a:r>
           </a:p>
           <a:p>
@@ -6126,13 +6152,13 @@
           <a:p>
             <a:r>
               <a:rPr lang="en-US" dirty="0"/>
-              <a:t>Highly testable- from its formalism and parallelism, interfaces communication, and time responsiveness</a:t>
-            </a:r>
-          </a:p>
-          <a:p>
-            <a:r>
-              <a:rPr lang="en-US" dirty="0"/>
-              <a:t>Portable, scalable, and open- - Implementations are independent, and can be used for many different target architectures and configurations.</a:t>
+              <a:t>Highly testable- from its formalism and parallelism, interfaces, communication, and time responsiveness</a:t>
+            </a:r>
+          </a:p>
+          <a:p>
+            <a:r>
+              <a:rPr lang="en-US" dirty="0"/>
+              <a:t>Portable, scalable, and open - Implementations are independent, and can be used for many different target architectures and configurations.</a:t>
             </a:r>
           </a:p>
           <a:p>
@@ -6199,7 +6225,7 @@
           <a:p>
             <a:r>
               <a:rPr lang="en-US" dirty="0"/>
-              <a:t>How its used</a:t>
+              <a:t>Theoretical model</a:t>
             </a:r>
           </a:p>
         </p:txBody>
@@ -6339,7 +6365,9 @@
         </p:nvSpPr>
         <p:spPr/>
         <p:txBody>
-          <a:bodyPr/>
+          <a:bodyPr>
+            <a:normAutofit lnSpcReduction="10000"/>
+          </a:bodyPr>
           <a:lstStyle/>
           <a:p>
             <a:r>
@@ -6368,7 +6396,19 @@
           <a:p>
             <a:r>
               <a:rPr lang="en-US" dirty="0"/>
-              <a:t>procedures</a:t>
+              <a:t>Procedures</a:t>
+            </a:r>
+          </a:p>
+          <a:p>
+            <a:r>
+              <a:rPr lang="en-US" dirty="0"/>
+              <a:t>System is made of blocks, blocks made of processes, and processes made of procedures</a:t>
+            </a:r>
+          </a:p>
+          <a:p>
+            <a:r>
+              <a:rPr lang="en-US" dirty="0"/>
+              <a:t>This break down allows it to be easily maintained, and the smaller subsystems can be easily encapsulated</a:t>
             </a:r>
           </a:p>
         </p:txBody>
@@ -6461,6 +6501,12 @@
             <a:r>
               <a:rPr lang="en-US" dirty="0"/>
               <a:t>Both carry parameters to interchange and synchronize information between processes</a:t>
+            </a:r>
+          </a:p>
+          <a:p>
+            <a:r>
+              <a:rPr lang="en-US" dirty="0"/>
+              <a:t>SDL does not use any global data</a:t>
             </a:r>
           </a:p>
         </p:txBody>
